--- a/Projekt/1. Zadanie projektowe - szablon prezentacji.pptx
+++ b/Projekt/1. Zadanie projektowe - szablon prezentacji.pptx
@@ -8,12 +8,10 @@
     <p:sldId id="256" r:id="rId2"/>
     <p:sldId id="270" r:id="rId3"/>
     <p:sldId id="305" r:id="rId4"/>
-    <p:sldId id="306" r:id="rId5"/>
-    <p:sldId id="307" r:id="rId6"/>
-    <p:sldId id="309" r:id="rId7"/>
-    <p:sldId id="308" r:id="rId8"/>
-    <p:sldId id="304" r:id="rId9"/>
-    <p:sldId id="264" r:id="rId10"/>
+    <p:sldId id="307" r:id="rId5"/>
+    <p:sldId id="309" r:id="rId6"/>
+    <p:sldId id="308" r:id="rId7"/>
+    <p:sldId id="304" r:id="rId8"/>
   </p:sldIdLst>
   <p:sldSz cx="12192000" cy="6858000"/>
   <p:notesSz cx="6858000" cy="9144000"/>
@@ -281,7 +279,7 @@
           <a:p>
             <a:fld id="{9AB483C7-B377-43D9-9F1F-1C9EB4F941CC}" type="datetimeFigureOut">
               <a:rPr lang="en-US" smtClean="0"/>
-              <a:t>3/6/2019</a:t>
+              <a:t>3/7/2019</a:t>
             </a:fld>
             <a:endParaRPr lang="en-US"/>
           </a:p>
@@ -481,7 +479,7 @@
           <a:p>
             <a:fld id="{9AB483C7-B377-43D9-9F1F-1C9EB4F941CC}" type="datetimeFigureOut">
               <a:rPr lang="en-US" smtClean="0"/>
-              <a:t>3/6/2019</a:t>
+              <a:t>3/7/2019</a:t>
             </a:fld>
             <a:endParaRPr lang="en-US"/>
           </a:p>
@@ -691,7 +689,7 @@
           <a:p>
             <a:fld id="{9AB483C7-B377-43D9-9F1F-1C9EB4F941CC}" type="datetimeFigureOut">
               <a:rPr lang="en-US" smtClean="0"/>
-              <a:t>3/6/2019</a:t>
+              <a:t>3/7/2019</a:t>
             </a:fld>
             <a:endParaRPr lang="en-US"/>
           </a:p>
@@ -891,7 +889,7 @@
           <a:p>
             <a:fld id="{9AB483C7-B377-43D9-9F1F-1C9EB4F941CC}" type="datetimeFigureOut">
               <a:rPr lang="en-US" smtClean="0"/>
-              <a:t>3/6/2019</a:t>
+              <a:t>3/7/2019</a:t>
             </a:fld>
             <a:endParaRPr lang="en-US"/>
           </a:p>
@@ -1167,7 +1165,7 @@
           <a:p>
             <a:fld id="{9AB483C7-B377-43D9-9F1F-1C9EB4F941CC}" type="datetimeFigureOut">
               <a:rPr lang="en-US" smtClean="0"/>
-              <a:t>3/6/2019</a:t>
+              <a:t>3/7/2019</a:t>
             </a:fld>
             <a:endParaRPr lang="en-US"/>
           </a:p>
@@ -1435,7 +1433,7 @@
           <a:p>
             <a:fld id="{9AB483C7-B377-43D9-9F1F-1C9EB4F941CC}" type="datetimeFigureOut">
               <a:rPr lang="en-US" smtClean="0"/>
-              <a:t>3/6/2019</a:t>
+              <a:t>3/7/2019</a:t>
             </a:fld>
             <a:endParaRPr lang="en-US"/>
           </a:p>
@@ -1850,7 +1848,7 @@
           <a:p>
             <a:fld id="{9AB483C7-B377-43D9-9F1F-1C9EB4F941CC}" type="datetimeFigureOut">
               <a:rPr lang="en-US" smtClean="0"/>
-              <a:t>3/6/2019</a:t>
+              <a:t>3/7/2019</a:t>
             </a:fld>
             <a:endParaRPr lang="en-US"/>
           </a:p>
@@ -1992,7 +1990,7 @@
           <a:p>
             <a:fld id="{9AB483C7-B377-43D9-9F1F-1C9EB4F941CC}" type="datetimeFigureOut">
               <a:rPr lang="en-US" smtClean="0"/>
-              <a:t>3/6/2019</a:t>
+              <a:t>3/7/2019</a:t>
             </a:fld>
             <a:endParaRPr lang="en-US"/>
           </a:p>
@@ -2105,7 +2103,7 @@
           <a:p>
             <a:fld id="{9AB483C7-B377-43D9-9F1F-1C9EB4F941CC}" type="datetimeFigureOut">
               <a:rPr lang="en-US" smtClean="0"/>
-              <a:t>3/6/2019</a:t>
+              <a:t>3/7/2019</a:t>
             </a:fld>
             <a:endParaRPr lang="en-US"/>
           </a:p>
@@ -2418,7 +2416,7 @@
           <a:p>
             <a:fld id="{9AB483C7-B377-43D9-9F1F-1C9EB4F941CC}" type="datetimeFigureOut">
               <a:rPr lang="en-US" smtClean="0"/>
-              <a:t>3/6/2019</a:t>
+              <a:t>3/7/2019</a:t>
             </a:fld>
             <a:endParaRPr lang="en-US"/>
           </a:p>
@@ -2707,7 +2705,7 @@
           <a:p>
             <a:fld id="{9AB483C7-B377-43D9-9F1F-1C9EB4F941CC}" type="datetimeFigureOut">
               <a:rPr lang="en-US" smtClean="0"/>
-              <a:t>3/6/2019</a:t>
+              <a:t>3/7/2019</a:t>
             </a:fld>
             <a:endParaRPr lang="en-US"/>
           </a:p>
@@ -2950,7 +2948,7 @@
           <a:p>
             <a:fld id="{9AB483C7-B377-43D9-9F1F-1C9EB4F941CC}" type="datetimeFigureOut">
               <a:rPr lang="en-US" smtClean="0"/>
-              <a:t>3/6/2019</a:t>
+              <a:t>3/7/2019</a:t>
             </a:fld>
             <a:endParaRPr lang="en-US"/>
           </a:p>
@@ -3627,7 +3625,7 @@
             </a:pPr>
             <a:r>
               <a:rPr lang="pl-PL" sz="2800" dirty="0"/>
-              <a:t>[Najważniejsza funkcjonalność/biblioteka]</a:t>
+              <a:t>[Istotna funkcjonalność]</a:t>
             </a:r>
           </a:p>
           <a:p>
@@ -3748,7 +3746,7 @@
         <p:spPr>
           <a:xfrm>
             <a:off x="1073019" y="2124724"/>
-            <a:ext cx="9731830" cy="1569660"/>
+            <a:ext cx="9731830" cy="1200329"/>
           </a:xfrm>
           <a:prstGeom prst="rect">
             <a:avLst/>
@@ -3764,31 +3762,15 @@
             <a:pPr algn="just"/>
             <a:r>
               <a:rPr lang="pl-PL" sz="2400" dirty="0"/>
-              <a:t>COBOL (ang. </a:t>
+              <a:t>Tu opisać kawał technologii: jak języki to jak bardzo popularne, jakie paradygmaty są stosowane, po której stronie się wykorzystuje (front/</a:t>
             </a:r>
             <a:r>
               <a:rPr lang="pl-PL" sz="2400" dirty="0" err="1"/>
-              <a:t>common</a:t>
+              <a:t>back</a:t>
             </a:r>
             <a:r>
               <a:rPr lang="pl-PL" sz="2400" dirty="0"/>
-              <a:t> business-</a:t>
-            </a:r>
-            <a:r>
-              <a:rPr lang="pl-PL" sz="2400" dirty="0" err="1"/>
-              <a:t>oriented</a:t>
-            </a:r>
-            <a:r>
-              <a:rPr lang="pl-PL" sz="2400" dirty="0"/>
-              <a:t> </a:t>
-            </a:r>
-            <a:r>
-              <a:rPr lang="pl-PL" sz="2400" dirty="0" err="1"/>
-              <a:t>language</a:t>
-            </a:r>
-            <a:r>
-              <a:rPr lang="pl-PL" sz="2400" dirty="0"/>
-              <a:t>) – wysokopoziomowy język programowania stworzony i używany do tworzenia aplikacji biznesowych. COBOL jest językiem imperatywnym, proceduralnym, oraz od 2002 roku, obiektowym.</a:t>
+              <a:t>-end).</a:t>
             </a:r>
           </a:p>
         </p:txBody>
@@ -3851,57 +3833,18 @@
           <a:p>
             <a:r>
               <a:rPr lang="pl-PL" dirty="0"/>
-              <a:t>Wprowadzenie</a:t>
+              <a:t>[Istotna funkcjonalność]</a:t>
             </a:r>
             <a:endParaRPr lang="en-US" dirty="0"/>
           </a:p>
         </p:txBody>
       </p:sp>
-      <p:pic>
-        <p:nvPicPr>
-          <p:cNvPr id="5" name="Obraz 4">
-            <a:extLst>
-              <a:ext uri="{FF2B5EF4-FFF2-40B4-BE49-F238E27FC236}">
-                <a16:creationId xmlns:a16="http://schemas.microsoft.com/office/drawing/2014/main" id="{514F72D9-FA52-490C-AE7C-71A1D753495C}"/>
-              </a:ext>
-            </a:extLst>
-          </p:cNvPr>
-          <p:cNvPicPr/>
-          <p:nvPr/>
-        </p:nvPicPr>
-        <p:blipFill>
-          <a:blip r:embed="rId2">
-            <a:extLst>
-              <a:ext uri="{28A0092B-C50C-407E-A947-70E740481C1C}">
-                <a14:useLocalDpi xmlns:a14="http://schemas.microsoft.com/office/drawing/2010/main" val="0"/>
-              </a:ext>
-            </a:extLst>
-          </a:blip>
-          <a:srcRect/>
-          <a:stretch>
-            <a:fillRect/>
-          </a:stretch>
-        </p:blipFill>
-        <p:spPr bwMode="auto">
-          <a:xfrm>
-            <a:off x="976292" y="1344696"/>
-            <a:ext cx="7523896" cy="4598903"/>
-          </a:xfrm>
-          <a:prstGeom prst="rect">
-            <a:avLst/>
-          </a:prstGeom>
-          <a:noFill/>
-          <a:ln>
-            <a:noFill/>
-          </a:ln>
-        </p:spPr>
-      </p:pic>
-      <p:sp>
-        <p:nvSpPr>
-          <p:cNvPr id="3" name="pole tekstowe 2">
-            <a:extLst>
-              <a:ext uri="{FF2B5EF4-FFF2-40B4-BE49-F238E27FC236}">
-                <a16:creationId xmlns:a16="http://schemas.microsoft.com/office/drawing/2014/main" id="{8DAECA63-8AB1-428C-AAE6-66F4CF3CA84A}"/>
+      <p:sp>
+        <p:nvSpPr>
+          <p:cNvPr id="4" name="pole tekstowe 3">
+            <a:extLst>
+              <a:ext uri="{FF2B5EF4-FFF2-40B4-BE49-F238E27FC236}">
+                <a16:creationId xmlns:a16="http://schemas.microsoft.com/office/drawing/2014/main" id="{4318E4C7-E819-4985-841E-F3DBE2738244}"/>
               </a:ext>
             </a:extLst>
           </p:cNvPr>
@@ -3910,8 +3853,8 @@
         </p:nvSpPr>
         <p:spPr>
           <a:xfrm>
-            <a:off x="838199" y="6400800"/>
-            <a:ext cx="6728927" cy="369332"/>
+            <a:off x="1073019" y="2124724"/>
+            <a:ext cx="9731830" cy="830997"/>
           </a:xfrm>
           <a:prstGeom prst="rect">
             <a:avLst/>
@@ -3924,32 +3867,34 @@
           </a:bodyPr>
           <a:lstStyle/>
           <a:p>
-            <a:r>
-              <a:rPr lang="en-GB" dirty="0"/>
-              <a:t>Image taken from </a:t>
-            </a:r>
-            <a:r>
-              <a:rPr lang="en-GB" dirty="0" err="1"/>
-              <a:t>Hasso</a:t>
-            </a:r>
-            <a:r>
-              <a:rPr lang="en-GB" dirty="0"/>
-              <a:t> Platter Institute MOOC: Mainframes </a:t>
-            </a:r>
-            <a:r>
-              <a:rPr lang="en-GB" u="sng" dirty="0">
-                <a:hlinkClick r:id="rId3"/>
-              </a:rPr>
-              <a:t>link</a:t>
-            </a:r>
-            <a:endParaRPr lang="pl-PL" dirty="0"/>
+            <a:pPr algn="just"/>
+            <a:r>
+              <a:rPr lang="pl-PL" sz="2400" dirty="0"/>
+              <a:t>Tu opisujemy coś co </a:t>
+            </a:r>
+            <a:r>
+              <a:rPr lang="pl-PL" sz="2400" b="1" dirty="0"/>
+              <a:t>uważamy</a:t>
+            </a:r>
+            <a:r>
+              <a:rPr lang="pl-PL" sz="2400" dirty="0"/>
+              <a:t> że stanowi </a:t>
+            </a:r>
+            <a:r>
+              <a:rPr lang="pl-PL" sz="2400" b="1" dirty="0"/>
+              <a:t>znaczącą przewagę </a:t>
+            </a:r>
+            <a:r>
+              <a:rPr lang="pl-PL" sz="2400" dirty="0"/>
+              <a:t>nad pozostałymi technologiami wybranymi w grupie.</a:t>
+            </a:r>
           </a:p>
         </p:txBody>
       </p:sp>
     </p:spTree>
     <p:extLst>
       <p:ext uri="{BB962C8B-B14F-4D97-AF65-F5344CB8AC3E}">
-        <p14:creationId xmlns:p14="http://schemas.microsoft.com/office/powerpoint/2010/main" val="269240543"/>
+        <p14:creationId xmlns:p14="http://schemas.microsoft.com/office/powerpoint/2010/main" val="3995543100"/>
       </p:ext>
     </p:extLst>
   </p:cSld>
@@ -4004,7 +3949,7 @@
           <a:p>
             <a:r>
               <a:rPr lang="pl-PL" dirty="0"/>
-              <a:t>Funkcjonalność</a:t>
+              <a:t>LIVE Demo</a:t>
             </a:r>
             <a:endParaRPr lang="en-US" dirty="0"/>
           </a:p>
@@ -4025,7 +3970,7 @@
         <p:spPr>
           <a:xfrm>
             <a:off x="1073019" y="2124724"/>
-            <a:ext cx="9731830" cy="1200329"/>
+            <a:ext cx="9731830" cy="830997"/>
           </a:xfrm>
           <a:prstGeom prst="rect">
             <a:avLst/>
@@ -4041,72 +3986,7 @@
             <a:pPr algn="just"/>
             <a:r>
               <a:rPr lang="pl-PL" sz="2400" dirty="0"/>
-              <a:t>Dzięki COBOL możemy rozwiązać problem łatwego i przyjemnego pisania aplikacji w zespole 125% efektywniej niż z użyciem języków obiektowych. Popatrzcie na ten przykład kodu:</a:t>
-            </a:r>
-          </a:p>
-        </p:txBody>
-      </p:sp>
-      <p:sp>
-        <p:nvSpPr>
-          <p:cNvPr id="5" name="pole tekstowe 4">
-            <a:extLst>
-              <a:ext uri="{FF2B5EF4-FFF2-40B4-BE49-F238E27FC236}">
-                <a16:creationId xmlns:a16="http://schemas.microsoft.com/office/drawing/2014/main" id="{5405AF44-D46F-4179-A901-8F3E0AF276B7}"/>
-              </a:ext>
-            </a:extLst>
-          </p:cNvPr>
-          <p:cNvSpPr txBox="1"/>
-          <p:nvPr/>
-        </p:nvSpPr>
-        <p:spPr>
-          <a:xfrm>
-            <a:off x="1212980" y="3872204"/>
-            <a:ext cx="7996334" cy="1754326"/>
-          </a:xfrm>
-          <a:prstGeom prst="rect">
-            <a:avLst/>
-          </a:prstGeom>
-          <a:noFill/>
-        </p:spPr>
-        <p:txBody>
-          <a:bodyPr wrap="square" rtlCol="0">
-            <a:spAutoFit/>
-          </a:bodyPr>
-          <a:lstStyle/>
-          <a:p>
-            <a:r>
-              <a:rPr lang="pl-PL" i="1" dirty="0"/>
-              <a:t>Kod</a:t>
-            </a:r>
-          </a:p>
-          <a:p>
-            <a:r>
-              <a:rPr lang="pl-PL" i="1" dirty="0"/>
-              <a:t>Kod</a:t>
-            </a:r>
-          </a:p>
-          <a:p>
-            <a:r>
-              <a:rPr lang="pl-PL" i="1" dirty="0"/>
-              <a:t>Kod</a:t>
-            </a:r>
-          </a:p>
-          <a:p>
-            <a:r>
-              <a:rPr lang="pl-PL" i="1" dirty="0"/>
-              <a:t>Kod</a:t>
-            </a:r>
-          </a:p>
-          <a:p>
-            <a:r>
-              <a:rPr lang="pl-PL" i="1" dirty="0"/>
-              <a:t>Kod</a:t>
-            </a:r>
-          </a:p>
-          <a:p>
-            <a:r>
-              <a:rPr lang="pl-PL" i="1" dirty="0"/>
-              <a:t>Kod</a:t>
+              <a:t>Pokazujemy coś na żywo – złota zasada prezentacji mówi żeby nic nie pokazywać na żywo ;)</a:t>
             </a:r>
           </a:p>
         </p:txBody>
@@ -4114,7 +3994,7 @@
     </p:spTree>
     <p:extLst>
       <p:ext uri="{BB962C8B-B14F-4D97-AF65-F5344CB8AC3E}">
-        <p14:creationId xmlns:p14="http://schemas.microsoft.com/office/powerpoint/2010/main" val="3995543100"/>
+        <p14:creationId xmlns:p14="http://schemas.microsoft.com/office/powerpoint/2010/main" val="2032096655"/>
       </p:ext>
     </p:extLst>
   </p:cSld>
@@ -4169,52 +4049,319 @@
           <a:p>
             <a:r>
               <a:rPr lang="pl-PL" dirty="0"/>
-              <a:t>LIVE Demo</a:t>
+              <a:t>SWOT</a:t>
             </a:r>
             <a:endParaRPr lang="en-US" dirty="0"/>
           </a:p>
         </p:txBody>
       </p:sp>
-      <p:sp>
-        <p:nvSpPr>
-          <p:cNvPr id="4" name="pole tekstowe 3">
-            <a:extLst>
-              <a:ext uri="{FF2B5EF4-FFF2-40B4-BE49-F238E27FC236}">
-                <a16:creationId xmlns:a16="http://schemas.microsoft.com/office/drawing/2014/main" id="{4318E4C7-E819-4985-841E-F3DBE2738244}"/>
-              </a:ext>
-            </a:extLst>
-          </p:cNvPr>
-          <p:cNvSpPr txBox="1"/>
-          <p:nvPr/>
-        </p:nvSpPr>
-        <p:spPr>
-          <a:xfrm>
-            <a:off x="1073019" y="2124724"/>
-            <a:ext cx="9731830" cy="830997"/>
-          </a:xfrm>
-          <a:prstGeom prst="rect">
-            <a:avLst/>
-          </a:prstGeom>
-          <a:noFill/>
-        </p:spPr>
-        <p:txBody>
-          <a:bodyPr wrap="square" rtlCol="0">
-            <a:spAutoFit/>
-          </a:bodyPr>
-          <a:lstStyle/>
-          <a:p>
-            <a:pPr algn="just"/>
-            <a:r>
-              <a:rPr lang="pl-PL" sz="2400" dirty="0"/>
-              <a:t>Pokazujemy coś na żywo – złota zasada prezentacji mówi żeby nic nie pokazywać na żywo ;)</a:t>
-            </a:r>
-          </a:p>
-        </p:txBody>
-      </p:sp>
+      <p:graphicFrame>
+        <p:nvGraphicFramePr>
+          <p:cNvPr id="4" name="Tabela 3">
+            <a:extLst>
+              <a:ext uri="{FF2B5EF4-FFF2-40B4-BE49-F238E27FC236}">
+                <a16:creationId xmlns:a16="http://schemas.microsoft.com/office/drawing/2014/main" id="{D6862D1A-09E7-400E-AD19-9FBDBBA1C4A0}"/>
+              </a:ext>
+            </a:extLst>
+          </p:cNvPr>
+          <p:cNvGraphicFramePr>
+            <a:graphicFrameLocks noGrp="1"/>
+          </p:cNvGraphicFramePr>
+          <p:nvPr>
+            <p:extLst>
+              <p:ext uri="{D42A27DB-BD31-4B8C-83A1-F6EECF244321}">
+                <p14:modId xmlns:p14="http://schemas.microsoft.com/office/powerpoint/2010/main" val="1177807265"/>
+              </p:ext>
+            </p:extLst>
+          </p:nvPr>
+        </p:nvGraphicFramePr>
+        <p:xfrm>
+          <a:off x="1358720" y="1571223"/>
+          <a:ext cx="9433776" cy="4868213"/>
+        </p:xfrm>
+        <a:graphic>
+          <a:graphicData uri="http://schemas.openxmlformats.org/drawingml/2006/table">
+            <a:tbl>
+              <a:tblPr firstRow="1" bandRow="1">
+                <a:tableStyleId>{5C22544A-7EE6-4342-B048-85BDC9FD1C3A}</a:tableStyleId>
+              </a:tblPr>
+              <a:tblGrid>
+                <a:gridCol w="3144592">
+                  <a:extLst>
+                    <a:ext uri="{9D8B030D-6E8A-4147-A177-3AD203B41FA5}">
+                      <a16:colId xmlns:a16="http://schemas.microsoft.com/office/drawing/2014/main" val="2439518851"/>
+                    </a:ext>
+                  </a:extLst>
+                </a:gridCol>
+                <a:gridCol w="3144592">
+                  <a:extLst>
+                    <a:ext uri="{9D8B030D-6E8A-4147-A177-3AD203B41FA5}">
+                      <a16:colId xmlns:a16="http://schemas.microsoft.com/office/drawing/2014/main" val="1856912893"/>
+                    </a:ext>
+                  </a:extLst>
+                </a:gridCol>
+                <a:gridCol w="3144592">
+                  <a:extLst>
+                    <a:ext uri="{9D8B030D-6E8A-4147-A177-3AD203B41FA5}">
+                      <a16:colId xmlns:a16="http://schemas.microsoft.com/office/drawing/2014/main" val="4229311126"/>
+                    </a:ext>
+                  </a:extLst>
+                </a:gridCol>
+              </a:tblGrid>
+              <a:tr h="729732">
+                <a:tc>
+                  <a:txBody>
+                    <a:bodyPr/>
+                    <a:lstStyle/>
+                    <a:p>
+                      <a:endParaRPr lang="pl-PL" dirty="0"/>
+                    </a:p>
+                  </a:txBody>
+                  <a:tcPr>
+                    <a:solidFill>
+                      <a:schemeClr val="accent1">
+                        <a:lumMod val="75000"/>
+                      </a:schemeClr>
+                    </a:solidFill>
+                  </a:tcPr>
+                </a:tc>
+                <a:tc>
+                  <a:txBody>
+                    <a:bodyPr/>
+                    <a:lstStyle/>
+                    <a:p>
+                      <a:r>
+                        <a:rPr lang="pl-PL" dirty="0"/>
+                        <a:t>Pozytywne</a:t>
+                      </a:r>
+                    </a:p>
+                  </a:txBody>
+                  <a:tcPr>
+                    <a:solidFill>
+                      <a:schemeClr val="accent1">
+                        <a:lumMod val="75000"/>
+                      </a:schemeClr>
+                    </a:solidFill>
+                  </a:tcPr>
+                </a:tc>
+                <a:tc>
+                  <a:txBody>
+                    <a:bodyPr/>
+                    <a:lstStyle/>
+                    <a:p>
+                      <a:r>
+                        <a:rPr lang="pl-PL" dirty="0"/>
+                        <a:t>Negatywne</a:t>
+                      </a:r>
+                    </a:p>
+                  </a:txBody>
+                  <a:tcPr>
+                    <a:solidFill>
+                      <a:schemeClr val="accent1">
+                        <a:lumMod val="75000"/>
+                      </a:schemeClr>
+                    </a:solidFill>
+                  </a:tcPr>
+                </a:tc>
+                <a:extLst>
+                  <a:ext uri="{0D108BD9-81ED-4DB2-BD59-A6C34878D82A}">
+                    <a16:rowId xmlns:a16="http://schemas.microsoft.com/office/drawing/2014/main" val="1161729353"/>
+                  </a:ext>
+                </a:extLst>
+              </a:tr>
+              <a:tr h="1259538">
+                <a:tc>
+                  <a:txBody>
+                    <a:bodyPr/>
+                    <a:lstStyle/>
+                    <a:p>
+                      <a:r>
+                        <a:rPr lang="pl-PL" b="1" dirty="0">
+                          <a:solidFill>
+                            <a:schemeClr val="bg1"/>
+                          </a:solidFill>
+                        </a:rPr>
+                        <a:t>Wewnętrzne</a:t>
+                      </a:r>
+                    </a:p>
+                  </a:txBody>
+                  <a:tcPr>
+                    <a:solidFill>
+                      <a:schemeClr val="accent1">
+                        <a:lumMod val="75000"/>
+                      </a:schemeClr>
+                    </a:solidFill>
+                  </a:tcPr>
+                </a:tc>
+                <a:tc>
+                  <a:txBody>
+                    <a:bodyPr/>
+                    <a:lstStyle/>
+                    <a:p>
+                      <a:pPr marL="285750" indent="-285750">
+                        <a:buFont typeface="Arial" panose="020B0604020202020204" pitchFamily="34" charset="0"/>
+                        <a:buChar char="•"/>
+                      </a:pPr>
+                      <a:r>
+                        <a:rPr lang="pl-PL" dirty="0">
+                          <a:solidFill>
+                            <a:schemeClr val="tx1"/>
+                          </a:solidFill>
+                        </a:rPr>
+                        <a:t>Mocne strony rozwiązania</a:t>
+                      </a:r>
+                    </a:p>
+                  </a:txBody>
+                  <a:tcPr>
+                    <a:solidFill>
+                      <a:schemeClr val="accent1">
+                        <a:lumMod val="20000"/>
+                        <a:lumOff val="80000"/>
+                      </a:schemeClr>
+                    </a:solidFill>
+                  </a:tcPr>
+                </a:tc>
+                <a:tc>
+                  <a:txBody>
+                    <a:bodyPr/>
+                    <a:lstStyle/>
+                    <a:p>
+                      <a:pPr marL="285750" indent="-285750">
+                        <a:buFont typeface="Arial" panose="020B0604020202020204" pitchFamily="34" charset="0"/>
+                        <a:buChar char="•"/>
+                      </a:pPr>
+                      <a:r>
+                        <a:rPr lang="pl-PL" dirty="0">
+                          <a:solidFill>
+                            <a:schemeClr val="tx1"/>
+                          </a:solidFill>
+                        </a:rPr>
+                        <a:t>Słabe strony rozwiązania</a:t>
+                      </a:r>
+                    </a:p>
+                  </a:txBody>
+                  <a:tcPr>
+                    <a:solidFill>
+                      <a:schemeClr val="accent1">
+                        <a:lumMod val="20000"/>
+                        <a:lumOff val="80000"/>
+                      </a:schemeClr>
+                    </a:solidFill>
+                  </a:tcPr>
+                </a:tc>
+                <a:extLst>
+                  <a:ext uri="{0D108BD9-81ED-4DB2-BD59-A6C34878D82A}">
+                    <a16:rowId xmlns:a16="http://schemas.microsoft.com/office/drawing/2014/main" val="3379557287"/>
+                  </a:ext>
+                </a:extLst>
+              </a:tr>
+              <a:tr h="2878943">
+                <a:tc>
+                  <a:txBody>
+                    <a:bodyPr/>
+                    <a:lstStyle/>
+                    <a:p>
+                      <a:r>
+                        <a:rPr lang="pl-PL" b="1" dirty="0">
+                          <a:solidFill>
+                            <a:schemeClr val="bg1"/>
+                          </a:solidFill>
+                        </a:rPr>
+                        <a:t>Zewnętrzne</a:t>
+                      </a:r>
+                    </a:p>
+                  </a:txBody>
+                  <a:tcPr>
+                    <a:solidFill>
+                      <a:schemeClr val="accent1">
+                        <a:lumMod val="75000"/>
+                      </a:schemeClr>
+                    </a:solidFill>
+                  </a:tcPr>
+                </a:tc>
+                <a:tc>
+                  <a:txBody>
+                    <a:bodyPr/>
+                    <a:lstStyle/>
+                    <a:p>
+                      <a:pPr marL="285750" indent="-285750">
+                        <a:buFont typeface="Arial" panose="020B0604020202020204" pitchFamily="34" charset="0"/>
+                        <a:buChar char="•"/>
+                      </a:pPr>
+                      <a:r>
+                        <a:rPr lang="pl-PL" dirty="0">
+                          <a:solidFill>
+                            <a:schemeClr val="tx1"/>
+                          </a:solidFill>
+                        </a:rPr>
+                        <a:t>Okazje wynikające z rozwiązania np. popularyzacja biblioteki która ma wyjść z wersji alfa w kwietniu</a:t>
+                      </a:r>
+                    </a:p>
+                  </a:txBody>
+                  <a:tcPr>
+                    <a:solidFill>
+                      <a:schemeClr val="accent1">
+                        <a:lumMod val="20000"/>
+                        <a:lumOff val="80000"/>
+                      </a:schemeClr>
+                    </a:solidFill>
+                  </a:tcPr>
+                </a:tc>
+                <a:tc>
+                  <a:txBody>
+                    <a:bodyPr/>
+                    <a:lstStyle/>
+                    <a:p>
+                      <a:pPr marL="285750" indent="-285750">
+                        <a:buFont typeface="Arial" panose="020B0604020202020204" pitchFamily="34" charset="0"/>
+                        <a:buChar char="•"/>
+                      </a:pPr>
+                      <a:r>
+                        <a:rPr lang="pl-PL" dirty="0">
+                          <a:solidFill>
+                            <a:schemeClr val="tx1"/>
+                          </a:solidFill>
+                        </a:rPr>
+                        <a:t>Zagrożenia wynikające z rozwiązania np. oznaczenie biblioteki jako </a:t>
+                      </a:r>
+                      <a:r>
+                        <a:rPr lang="pl-PL" dirty="0" err="1">
+                          <a:solidFill>
+                            <a:schemeClr val="tx1"/>
+                          </a:solidFill>
+                        </a:rPr>
+                        <a:t>deprecated</a:t>
+                      </a:r>
+                      <a:endParaRPr lang="pl-PL" dirty="0">
+                        <a:solidFill>
+                          <a:schemeClr val="tx1"/>
+                        </a:solidFill>
+                      </a:endParaRPr>
+                    </a:p>
+                  </a:txBody>
+                  <a:tcPr>
+                    <a:solidFill>
+                      <a:schemeClr val="accent1">
+                        <a:lumMod val="20000"/>
+                        <a:lumOff val="80000"/>
+                      </a:schemeClr>
+                    </a:solidFill>
+                  </a:tcPr>
+                </a:tc>
+                <a:extLst>
+                  <a:ext uri="{0D108BD9-81ED-4DB2-BD59-A6C34878D82A}">
+                    <a16:rowId xmlns:a16="http://schemas.microsoft.com/office/drawing/2014/main" val="3512986983"/>
+                  </a:ext>
+                </a:extLst>
+              </a:tr>
+            </a:tbl>
+          </a:graphicData>
+        </a:graphic>
+      </p:graphicFrame>
     </p:spTree>
     <p:extLst>
       <p:ext uri="{BB962C8B-B14F-4D97-AF65-F5344CB8AC3E}">
-        <p14:creationId xmlns:p14="http://schemas.microsoft.com/office/powerpoint/2010/main" val="2032096655"/>
+        <p14:creationId xmlns:p14="http://schemas.microsoft.com/office/powerpoint/2010/main" val="3099502336"/>
       </p:ext>
     </p:extLst>
   </p:cSld>
@@ -4269,100 +4416,6 @@
           <a:p>
             <a:r>
               <a:rPr lang="pl-PL" dirty="0"/>
-              <a:t>SWOT</a:t>
-            </a:r>
-            <a:endParaRPr lang="en-US" dirty="0"/>
-          </a:p>
-        </p:txBody>
-      </p:sp>
-      <p:pic>
-        <p:nvPicPr>
-          <p:cNvPr id="3" name="Obraz 2">
-            <a:extLst>
-              <a:ext uri="{FF2B5EF4-FFF2-40B4-BE49-F238E27FC236}">
-                <a16:creationId xmlns:a16="http://schemas.microsoft.com/office/drawing/2014/main" id="{0B9B1FDF-BDB9-4B68-962D-3AAC1C96818F}"/>
-              </a:ext>
-            </a:extLst>
-          </p:cNvPr>
-          <p:cNvPicPr>
-            <a:picLocks noChangeAspect="1"/>
-          </p:cNvPicPr>
-          <p:nvPr/>
-        </p:nvPicPr>
-        <p:blipFill>
-          <a:blip r:embed="rId2"/>
-          <a:stretch>
-            <a:fillRect/>
-          </a:stretch>
-        </p:blipFill>
-        <p:spPr>
-          <a:xfrm>
-            <a:off x="415990" y="1498243"/>
-            <a:ext cx="11206912" cy="4389374"/>
-          </a:xfrm>
-          <a:prstGeom prst="rect">
-            <a:avLst/>
-          </a:prstGeom>
-        </p:spPr>
-      </p:pic>
-    </p:spTree>
-    <p:extLst>
-      <p:ext uri="{BB962C8B-B14F-4D97-AF65-F5344CB8AC3E}">
-        <p14:creationId xmlns:p14="http://schemas.microsoft.com/office/powerpoint/2010/main" val="3099502336"/>
-      </p:ext>
-    </p:extLst>
-  </p:cSld>
-  <p:clrMapOvr>
-    <a:masterClrMapping/>
-  </p:clrMapOvr>
-</p:sld>
-</file>
-
-<file path=ppt/slides/slide8.xml><?xml version="1.0" encoding="utf-8"?>
-<p:sld xmlns:a="http://schemas.openxmlformats.org/drawingml/2006/main" xmlns:r="http://schemas.openxmlformats.org/officeDocument/2006/relationships" xmlns:p="http://schemas.openxmlformats.org/presentationml/2006/main">
-  <p:cSld>
-    <p:spTree>
-      <p:nvGrpSpPr>
-        <p:cNvPr id="1" name=""/>
-        <p:cNvGrpSpPr/>
-        <p:nvPr/>
-      </p:nvGrpSpPr>
-      <p:grpSpPr>
-        <a:xfrm>
-          <a:off x="0" y="0"/>
-          <a:ext cx="0" cy="0"/>
-          <a:chOff x="0" y="0"/>
-          <a:chExt cx="0" cy="0"/>
-        </a:xfrm>
-      </p:grpSpPr>
-      <p:sp>
-        <p:nvSpPr>
-          <p:cNvPr id="2" name="Tytuł 1">
-            <a:extLst>
-              <a:ext uri="{FF2B5EF4-FFF2-40B4-BE49-F238E27FC236}">
-                <a16:creationId xmlns:a16="http://schemas.microsoft.com/office/drawing/2014/main" id="{FDC47801-9FB8-45CC-8FA2-483A0B5FA0D4}"/>
-              </a:ext>
-            </a:extLst>
-          </p:cNvPr>
-          <p:cNvSpPr>
-            <a:spLocks noGrp="1"/>
-          </p:cNvSpPr>
-          <p:nvPr>
-            <p:ph type="title"/>
-          </p:nvPr>
-        </p:nvSpPr>
-        <p:spPr>
-          <a:xfrm>
-            <a:off x="838200" y="365125"/>
-            <a:ext cx="10515600" cy="728121"/>
-          </a:xfrm>
-        </p:spPr>
-        <p:txBody>
-          <a:bodyPr/>
-          <a:lstStyle/>
-          <a:p>
-            <a:r>
-              <a:rPr lang="pl-PL" dirty="0"/>
               <a:t>Podsumowanie</a:t>
             </a:r>
             <a:endParaRPr lang="en-US" dirty="0"/>
@@ -4384,7 +4437,7 @@
         <p:spPr>
           <a:xfrm>
             <a:off x="1073019" y="2124724"/>
-            <a:ext cx="9731830" cy="2677656"/>
+            <a:ext cx="9731830" cy="523220"/>
           </a:xfrm>
           <a:prstGeom prst="rect">
             <a:avLst/>
@@ -4399,57 +4452,7 @@
           <a:p>
             <a:r>
               <a:rPr lang="pl-PL" sz="2800" dirty="0"/>
-              <a:t>COBOL tu nie zadziała:</a:t>
-            </a:r>
-          </a:p>
-          <a:p>
-            <a:pPr marL="457200" indent="-457200">
-              <a:buFont typeface="Arial" panose="020B0604020202020204" pitchFamily="34" charset="0"/>
-              <a:buChar char="•"/>
-            </a:pPr>
-            <a:r>
-              <a:rPr lang="pl-PL" sz="2800" dirty="0"/>
-              <a:t>Bo tak 1</a:t>
-            </a:r>
-          </a:p>
-          <a:p>
-            <a:pPr marL="457200" indent="-457200">
-              <a:buFont typeface="Arial" panose="020B0604020202020204" pitchFamily="34" charset="0"/>
-              <a:buChar char="•"/>
-            </a:pPr>
-            <a:r>
-              <a:rPr lang="pl-PL" sz="2800" dirty="0"/>
-              <a:t>Bo tak 2</a:t>
-            </a:r>
-          </a:p>
-          <a:p>
-            <a:pPr marL="457200" indent="-457200">
-              <a:buFont typeface="Arial" panose="020B0604020202020204" pitchFamily="34" charset="0"/>
-              <a:buChar char="•"/>
-            </a:pPr>
-            <a:r>
-              <a:rPr lang="pl-PL" sz="2800" dirty="0"/>
-              <a:t>Bo tak 3</a:t>
-            </a:r>
-          </a:p>
-          <a:p>
-            <a:pPr marL="457200" indent="-457200">
-              <a:buFont typeface="Arial" panose="020B0604020202020204" pitchFamily="34" charset="0"/>
-              <a:buChar char="•"/>
-            </a:pPr>
-            <a:r>
-              <a:rPr lang="pl-PL" sz="2800" dirty="0"/>
-              <a:t>…. A szkoda bo 1</a:t>
-            </a:r>
-          </a:p>
-          <a:p>
-            <a:pPr marL="457200" indent="-457200">
-              <a:buFont typeface="Arial" panose="020B0604020202020204" pitchFamily="34" charset="0"/>
-              <a:buChar char="•"/>
-            </a:pPr>
-            <a:r>
-              <a:rPr lang="pl-PL" sz="2800" dirty="0"/>
-              <a:t>….. No i bo 2</a:t>
+              <a:t>Końcowy wniosek dlaczego i czy warto korzystać</a:t>
             </a:r>
             <a:endParaRPr lang="en-US" sz="2800" dirty="0"/>
           </a:p>
@@ -4459,70 +4462,6 @@
     <p:extLst>
       <p:ext uri="{BB962C8B-B14F-4D97-AF65-F5344CB8AC3E}">
         <p14:creationId xmlns:p14="http://schemas.microsoft.com/office/powerpoint/2010/main" val="4136383177"/>
-      </p:ext>
-    </p:extLst>
-  </p:cSld>
-  <p:clrMapOvr>
-    <a:masterClrMapping/>
-  </p:clrMapOvr>
-</p:sld>
-</file>
-
-<file path=ppt/slides/slide9.xml><?xml version="1.0" encoding="utf-8"?>
-<p:sld xmlns:a="http://schemas.openxmlformats.org/drawingml/2006/main" xmlns:r="http://schemas.openxmlformats.org/officeDocument/2006/relationships" xmlns:p="http://schemas.openxmlformats.org/presentationml/2006/main">
-  <p:cSld>
-    <p:spTree>
-      <p:nvGrpSpPr>
-        <p:cNvPr id="1" name=""/>
-        <p:cNvGrpSpPr/>
-        <p:nvPr/>
-      </p:nvGrpSpPr>
-      <p:grpSpPr>
-        <a:xfrm>
-          <a:off x="0" y="0"/>
-          <a:ext cx="0" cy="0"/>
-          <a:chOff x="0" y="0"/>
-          <a:chExt cx="0" cy="0"/>
-        </a:xfrm>
-      </p:grpSpPr>
-      <p:sp>
-        <p:nvSpPr>
-          <p:cNvPr id="2" name="Tytuł 1">
-            <a:extLst>
-              <a:ext uri="{FF2B5EF4-FFF2-40B4-BE49-F238E27FC236}">
-                <a16:creationId xmlns:a16="http://schemas.microsoft.com/office/drawing/2014/main" id="{FDC47801-9FB8-45CC-8FA2-483A0B5FA0D4}"/>
-              </a:ext>
-            </a:extLst>
-          </p:cNvPr>
-          <p:cNvSpPr>
-            <a:spLocks noGrp="1"/>
-          </p:cNvSpPr>
-          <p:nvPr>
-            <p:ph type="title"/>
-          </p:nvPr>
-        </p:nvSpPr>
-        <p:spPr>
-          <a:xfrm>
-            <a:off x="838200" y="2766218"/>
-            <a:ext cx="10515600" cy="1325563"/>
-          </a:xfrm>
-        </p:spPr>
-        <p:txBody>
-          <a:bodyPr/>
-          <a:lstStyle/>
-          <a:p>
-            <a:r>
-              <a:rPr lang="pl-PL" dirty="0"/>
-              <a:t>Tyle…</a:t>
-            </a:r>
-            <a:endParaRPr lang="en-US" dirty="0"/>
-          </a:p>
-        </p:txBody>
-      </p:sp>
-    </p:spTree>
-    <p:extLst>
-      <p:ext uri="{BB962C8B-B14F-4D97-AF65-F5344CB8AC3E}">
-        <p14:creationId xmlns:p14="http://schemas.microsoft.com/office/powerpoint/2010/main" val="626047446"/>
       </p:ext>
     </p:extLst>
   </p:cSld>
